--- a/unfinished_project/KlipperLCD/TX_screen_pic/Pic.pptx
+++ b/unfinished_project/KlipperLCD/TX_screen_pic/Pic.pptx
@@ -7,6 +7,7 @@
   <p:sldIdLst>
     <p:sldId id="256" r:id="rId2"/>
     <p:sldId id="257" r:id="rId3"/>
+    <p:sldId id="258" r:id="rId4"/>
   </p:sldIdLst>
   <p:sldSz cx="12192000" cy="6858000"/>
   <p:notesSz cx="6858000" cy="9144000"/>
@@ -105,6 +106,11 @@
       </a:defRPr>
     </a:lvl9pPr>
   </p:defaultTextStyle>
+  <p:extLst>
+    <p:ext uri="{EFAFB233-063F-42B5-8137-9DF3F51BA10A}">
+      <p15:sldGuideLst xmlns:p15="http://schemas.microsoft.com/office/powerpoint/2012/main"/>
+    </p:ext>
+  </p:extLst>
 </p:presentation>
 </file>
 
@@ -255,7 +261,7 @@
           <a:p>
             <a:fld id="{2F07373E-DACD-4CB9-BCA7-C5DF4A894584}" type="datetimeFigureOut">
               <a:rPr lang="zh-TW" altLang="en-US" smtClean="0"/>
-              <a:t>2024/09/03</a:t>
+              <a:t>2024/10/04</a:t>
             </a:fld>
             <a:endParaRPr lang="zh-TW" altLang="en-US"/>
           </a:p>
@@ -453,7 +459,7 @@
           <a:p>
             <a:fld id="{2F07373E-DACD-4CB9-BCA7-C5DF4A894584}" type="datetimeFigureOut">
               <a:rPr lang="zh-TW" altLang="en-US" smtClean="0"/>
-              <a:t>2024/09/03</a:t>
+              <a:t>2024/10/04</a:t>
             </a:fld>
             <a:endParaRPr lang="zh-TW" altLang="en-US"/>
           </a:p>
@@ -661,7 +667,7 @@
           <a:p>
             <a:fld id="{2F07373E-DACD-4CB9-BCA7-C5DF4A894584}" type="datetimeFigureOut">
               <a:rPr lang="zh-TW" altLang="en-US" smtClean="0"/>
-              <a:t>2024/09/03</a:t>
+              <a:t>2024/10/04</a:t>
             </a:fld>
             <a:endParaRPr lang="zh-TW" altLang="en-US"/>
           </a:p>
@@ -859,7 +865,7 @@
           <a:p>
             <a:fld id="{2F07373E-DACD-4CB9-BCA7-C5DF4A894584}" type="datetimeFigureOut">
               <a:rPr lang="zh-TW" altLang="en-US" smtClean="0"/>
-              <a:t>2024/09/03</a:t>
+              <a:t>2024/10/04</a:t>
             </a:fld>
             <a:endParaRPr lang="zh-TW" altLang="en-US"/>
           </a:p>
@@ -1134,7 +1140,7 @@
           <a:p>
             <a:fld id="{2F07373E-DACD-4CB9-BCA7-C5DF4A894584}" type="datetimeFigureOut">
               <a:rPr lang="zh-TW" altLang="en-US" smtClean="0"/>
-              <a:t>2024/09/03</a:t>
+              <a:t>2024/10/04</a:t>
             </a:fld>
             <a:endParaRPr lang="zh-TW" altLang="en-US"/>
           </a:p>
@@ -1399,7 +1405,7 @@
           <a:p>
             <a:fld id="{2F07373E-DACD-4CB9-BCA7-C5DF4A894584}" type="datetimeFigureOut">
               <a:rPr lang="zh-TW" altLang="en-US" smtClean="0"/>
-              <a:t>2024/09/03</a:t>
+              <a:t>2024/10/04</a:t>
             </a:fld>
             <a:endParaRPr lang="zh-TW" altLang="en-US"/>
           </a:p>
@@ -1811,7 +1817,7 @@
           <a:p>
             <a:fld id="{2F07373E-DACD-4CB9-BCA7-C5DF4A894584}" type="datetimeFigureOut">
               <a:rPr lang="zh-TW" altLang="en-US" smtClean="0"/>
-              <a:t>2024/09/03</a:t>
+              <a:t>2024/10/04</a:t>
             </a:fld>
             <a:endParaRPr lang="zh-TW" altLang="en-US"/>
           </a:p>
@@ -1952,7 +1958,7 @@
           <a:p>
             <a:fld id="{2F07373E-DACD-4CB9-BCA7-C5DF4A894584}" type="datetimeFigureOut">
               <a:rPr lang="zh-TW" altLang="en-US" smtClean="0"/>
-              <a:t>2024/09/03</a:t>
+              <a:t>2024/10/04</a:t>
             </a:fld>
             <a:endParaRPr lang="zh-TW" altLang="en-US"/>
           </a:p>
@@ -2065,7 +2071,7 @@
           <a:p>
             <a:fld id="{2F07373E-DACD-4CB9-BCA7-C5DF4A894584}" type="datetimeFigureOut">
               <a:rPr lang="zh-TW" altLang="en-US" smtClean="0"/>
-              <a:t>2024/09/03</a:t>
+              <a:t>2024/10/04</a:t>
             </a:fld>
             <a:endParaRPr lang="zh-TW" altLang="en-US"/>
           </a:p>
@@ -2376,7 +2382,7 @@
           <a:p>
             <a:fld id="{2F07373E-DACD-4CB9-BCA7-C5DF4A894584}" type="datetimeFigureOut">
               <a:rPr lang="zh-TW" altLang="en-US" smtClean="0"/>
-              <a:t>2024/09/03</a:t>
+              <a:t>2024/10/04</a:t>
             </a:fld>
             <a:endParaRPr lang="zh-TW" altLang="en-US"/>
           </a:p>
@@ -2664,7 +2670,7 @@
           <a:p>
             <a:fld id="{2F07373E-DACD-4CB9-BCA7-C5DF4A894584}" type="datetimeFigureOut">
               <a:rPr lang="zh-TW" altLang="en-US" smtClean="0"/>
-              <a:t>2024/09/03</a:t>
+              <a:t>2024/10/04</a:t>
             </a:fld>
             <a:endParaRPr lang="zh-TW" altLang="en-US"/>
           </a:p>
@@ -2905,7 +2911,7 @@
           <a:p>
             <a:fld id="{2F07373E-DACD-4CB9-BCA7-C5DF4A894584}" type="datetimeFigureOut">
               <a:rPr lang="zh-TW" altLang="en-US" smtClean="0"/>
-              <a:t>2024/09/03</a:t>
+              <a:t>2024/10/04</a:t>
             </a:fld>
             <a:endParaRPr lang="zh-TW" altLang="en-US"/>
           </a:p>
@@ -4564,6 +4570,1069 @@
 </p:sld>
 </file>
 
+<file path=ppt/slides/slide3.xml><?xml version="1.0" encoding="utf-8"?>
+<p:sld xmlns:a="http://schemas.openxmlformats.org/drawingml/2006/main" xmlns:r="http://schemas.openxmlformats.org/officeDocument/2006/relationships" xmlns:p="http://schemas.openxmlformats.org/presentationml/2006/main">
+  <p:cSld>
+    <p:spTree>
+      <p:nvGrpSpPr>
+        <p:cNvPr id="1" name=""/>
+        <p:cNvGrpSpPr/>
+        <p:nvPr/>
+      </p:nvGrpSpPr>
+      <p:grpSpPr>
+        <a:xfrm>
+          <a:off x="0" y="0"/>
+          <a:ext cx="0" cy="0"/>
+          <a:chOff x="0" y="0"/>
+          <a:chExt cx="0" cy="0"/>
+        </a:xfrm>
+      </p:grpSpPr>
+      <p:sp>
+        <p:nvSpPr>
+          <p:cNvPr id="5" name="矩形 4">
+            <a:extLst>
+              <a:ext uri="{FF2B5EF4-FFF2-40B4-BE49-F238E27FC236}">
+                <a16:creationId xmlns:a16="http://schemas.microsoft.com/office/drawing/2014/main" id="{43D12BCA-2001-DE31-48CE-3D33BF3F8597}"/>
+              </a:ext>
+            </a:extLst>
+          </p:cNvPr>
+          <p:cNvSpPr>
+            <a:spLocks/>
+          </p:cNvSpPr>
+          <p:nvPr/>
+        </p:nvSpPr>
+        <p:spPr>
+          <a:xfrm>
+            <a:off x="-1304929" y="1112042"/>
+            <a:ext cx="12192000" cy="6858000"/>
+          </a:xfrm>
+          <a:prstGeom prst="rect">
+            <a:avLst/>
+          </a:prstGeom>
+          <a:solidFill>
+            <a:srgbClr val="2C2E31"/>
+          </a:solidFill>
+          <a:ln>
+            <a:solidFill>
+              <a:srgbClr val="262629"/>
+            </a:solidFill>
+          </a:ln>
+        </p:spPr>
+        <p:style>
+          <a:lnRef idx="2">
+            <a:schemeClr val="accent1">
+              <a:shade val="15000"/>
+            </a:schemeClr>
+          </a:lnRef>
+          <a:fillRef idx="1">
+            <a:schemeClr val="accent1"/>
+          </a:fillRef>
+          <a:effectRef idx="0">
+            <a:schemeClr val="accent1"/>
+          </a:effectRef>
+          <a:fontRef idx="minor">
+            <a:schemeClr val="lt1"/>
+          </a:fontRef>
+        </p:style>
+        <p:txBody>
+          <a:bodyPr rtlCol="0" anchor="ctr"/>
+          <a:lstStyle/>
+          <a:p>
+            <a:pPr algn="ctr"/>
+            <a:endParaRPr lang="zh-TW" altLang="en-US"/>
+          </a:p>
+        </p:txBody>
+      </p:sp>
+      <p:grpSp>
+        <p:nvGrpSpPr>
+          <p:cNvPr id="11" name="群組 10">
+            <a:extLst>
+              <a:ext uri="{FF2B5EF4-FFF2-40B4-BE49-F238E27FC236}">
+                <a16:creationId xmlns:a16="http://schemas.microsoft.com/office/drawing/2014/main" id="{907D48EA-B259-4D15-B8EC-0B9D066DD99A}"/>
+              </a:ext>
+            </a:extLst>
+          </p:cNvPr>
+          <p:cNvGrpSpPr/>
+          <p:nvPr/>
+        </p:nvGrpSpPr>
+        <p:grpSpPr>
+          <a:xfrm>
+            <a:off x="2202287" y="2401907"/>
+            <a:ext cx="1410237" cy="888645"/>
+            <a:chOff x="2202287" y="2401907"/>
+            <a:chExt cx="1410237" cy="888645"/>
+          </a:xfrm>
+        </p:grpSpPr>
+        <p:sp>
+          <p:nvSpPr>
+            <p:cNvPr id="4" name="矩形 3">
+              <a:extLst>
+                <a:ext uri="{FF2B5EF4-FFF2-40B4-BE49-F238E27FC236}">
+                  <a16:creationId xmlns:a16="http://schemas.microsoft.com/office/drawing/2014/main" id="{78569881-7D31-9DB6-A58C-9D7868732B72}"/>
+                </a:ext>
+              </a:extLst>
+            </p:cNvPr>
+            <p:cNvSpPr/>
+            <p:nvPr/>
+          </p:nvSpPr>
+          <p:spPr>
+            <a:xfrm>
+              <a:off x="2202287" y="3174643"/>
+              <a:ext cx="1410237" cy="115909"/>
+            </a:xfrm>
+            <a:prstGeom prst="rect">
+              <a:avLst/>
+            </a:prstGeom>
+            <a:solidFill>
+              <a:schemeClr val="bg1">
+                <a:lumMod val="95000"/>
+              </a:schemeClr>
+            </a:solidFill>
+            <a:ln>
+              <a:solidFill>
+                <a:srgbClr val="262629"/>
+              </a:solidFill>
+            </a:ln>
+          </p:spPr>
+          <p:style>
+            <a:lnRef idx="2">
+              <a:schemeClr val="accent1">
+                <a:shade val="15000"/>
+              </a:schemeClr>
+            </a:lnRef>
+            <a:fillRef idx="1">
+              <a:schemeClr val="accent1"/>
+            </a:fillRef>
+            <a:effectRef idx="0">
+              <a:schemeClr val="accent1"/>
+            </a:effectRef>
+            <a:fontRef idx="minor">
+              <a:schemeClr val="lt1"/>
+            </a:fontRef>
+          </p:style>
+          <p:txBody>
+            <a:bodyPr rtlCol="0" anchor="ctr"/>
+            <a:lstStyle/>
+            <a:p>
+              <a:pPr algn="ctr"/>
+              <a:endParaRPr lang="zh-TW" altLang="en-US"/>
+            </a:p>
+          </p:txBody>
+        </p:sp>
+        <p:sp>
+          <p:nvSpPr>
+            <p:cNvPr id="8" name="波浪 7">
+              <a:extLst>
+                <a:ext uri="{FF2B5EF4-FFF2-40B4-BE49-F238E27FC236}">
+                  <a16:creationId xmlns:a16="http://schemas.microsoft.com/office/drawing/2014/main" id="{D57C684B-0231-B954-E788-187B12EB59EA}"/>
+                </a:ext>
+              </a:extLst>
+            </p:cNvPr>
+            <p:cNvSpPr/>
+            <p:nvPr/>
+          </p:nvSpPr>
+          <p:spPr>
+            <a:xfrm rot="16200000">
+              <a:off x="2070279" y="2624071"/>
+              <a:ext cx="682580" cy="238258"/>
+            </a:xfrm>
+            <a:prstGeom prst="wave">
+              <a:avLst>
+                <a:gd name="adj1" fmla="val 20000"/>
+                <a:gd name="adj2" fmla="val -10000"/>
+              </a:avLst>
+            </a:prstGeom>
+            <a:solidFill>
+              <a:schemeClr val="bg1">
+                <a:lumMod val="95000"/>
+              </a:schemeClr>
+            </a:solidFill>
+          </p:spPr>
+          <p:style>
+            <a:lnRef idx="2">
+              <a:schemeClr val="accent1">
+                <a:shade val="15000"/>
+              </a:schemeClr>
+            </a:lnRef>
+            <a:fillRef idx="1">
+              <a:schemeClr val="accent1"/>
+            </a:fillRef>
+            <a:effectRef idx="0">
+              <a:schemeClr val="accent1"/>
+            </a:effectRef>
+            <a:fontRef idx="minor">
+              <a:schemeClr val="lt1"/>
+            </a:fontRef>
+          </p:style>
+          <p:txBody>
+            <a:bodyPr rtlCol="0" anchor="ctr"/>
+            <a:lstStyle/>
+            <a:p>
+              <a:pPr algn="ctr"/>
+              <a:endParaRPr lang="zh-TW" altLang="en-US"/>
+            </a:p>
+          </p:txBody>
+        </p:sp>
+        <p:sp>
+          <p:nvSpPr>
+            <p:cNvPr id="9" name="波浪 8">
+              <a:extLst>
+                <a:ext uri="{FF2B5EF4-FFF2-40B4-BE49-F238E27FC236}">
+                  <a16:creationId xmlns:a16="http://schemas.microsoft.com/office/drawing/2014/main" id="{322A2FCF-FD58-4D46-0B2E-39B64FAE0EC1}"/>
+                </a:ext>
+              </a:extLst>
+            </p:cNvPr>
+            <p:cNvSpPr/>
+            <p:nvPr/>
+          </p:nvSpPr>
+          <p:spPr>
+            <a:xfrm rot="16200000">
+              <a:off x="2566114" y="2624069"/>
+              <a:ext cx="682581" cy="238258"/>
+            </a:xfrm>
+            <a:prstGeom prst="wave">
+              <a:avLst>
+                <a:gd name="adj1" fmla="val 20000"/>
+                <a:gd name="adj2" fmla="val -10000"/>
+              </a:avLst>
+            </a:prstGeom>
+            <a:solidFill>
+              <a:schemeClr val="bg1">
+                <a:lumMod val="95000"/>
+              </a:schemeClr>
+            </a:solidFill>
+          </p:spPr>
+          <p:style>
+            <a:lnRef idx="2">
+              <a:schemeClr val="accent1">
+                <a:shade val="15000"/>
+              </a:schemeClr>
+            </a:lnRef>
+            <a:fillRef idx="1">
+              <a:schemeClr val="accent1"/>
+            </a:fillRef>
+            <a:effectRef idx="0">
+              <a:schemeClr val="accent1"/>
+            </a:effectRef>
+            <a:fontRef idx="minor">
+              <a:schemeClr val="lt1"/>
+            </a:fontRef>
+          </p:style>
+          <p:txBody>
+            <a:bodyPr rtlCol="0" anchor="ctr"/>
+            <a:lstStyle/>
+            <a:p>
+              <a:pPr algn="ctr"/>
+              <a:endParaRPr lang="zh-TW" altLang="en-US"/>
+            </a:p>
+          </p:txBody>
+        </p:sp>
+        <p:sp>
+          <p:nvSpPr>
+            <p:cNvPr id="10" name="波浪 9">
+              <a:extLst>
+                <a:ext uri="{FF2B5EF4-FFF2-40B4-BE49-F238E27FC236}">
+                  <a16:creationId xmlns:a16="http://schemas.microsoft.com/office/drawing/2014/main" id="{65E72142-65A1-C01E-F457-A4460C38B788}"/>
+                </a:ext>
+              </a:extLst>
+            </p:cNvPr>
+            <p:cNvSpPr/>
+            <p:nvPr/>
+          </p:nvSpPr>
+          <p:spPr>
+            <a:xfrm rot="16200000">
+              <a:off x="3061950" y="2624069"/>
+              <a:ext cx="682582" cy="238258"/>
+            </a:xfrm>
+            <a:prstGeom prst="wave">
+              <a:avLst>
+                <a:gd name="adj1" fmla="val 20000"/>
+                <a:gd name="adj2" fmla="val -10000"/>
+              </a:avLst>
+            </a:prstGeom>
+            <a:solidFill>
+              <a:schemeClr val="bg1">
+                <a:lumMod val="95000"/>
+              </a:schemeClr>
+            </a:solidFill>
+          </p:spPr>
+          <p:style>
+            <a:lnRef idx="2">
+              <a:schemeClr val="accent1">
+                <a:shade val="15000"/>
+              </a:schemeClr>
+            </a:lnRef>
+            <a:fillRef idx="1">
+              <a:schemeClr val="accent1"/>
+            </a:fillRef>
+            <a:effectRef idx="0">
+              <a:schemeClr val="accent1"/>
+            </a:effectRef>
+            <a:fontRef idx="minor">
+              <a:schemeClr val="lt1"/>
+            </a:fontRef>
+          </p:style>
+          <p:txBody>
+            <a:bodyPr rtlCol="0" anchor="ctr"/>
+            <a:lstStyle/>
+            <a:p>
+              <a:pPr algn="ctr"/>
+              <a:endParaRPr lang="zh-TW" altLang="en-US" b="1" dirty="0"/>
+            </a:p>
+          </p:txBody>
+        </p:sp>
+      </p:grpSp>
+      <p:sp>
+        <p:nvSpPr>
+          <p:cNvPr id="14" name="矩形: 圓角 13">
+            <a:extLst>
+              <a:ext uri="{FF2B5EF4-FFF2-40B4-BE49-F238E27FC236}">
+                <a16:creationId xmlns:a16="http://schemas.microsoft.com/office/drawing/2014/main" id="{A67711D9-7148-8801-A9B1-F72D0B427E9B}"/>
+              </a:ext>
+            </a:extLst>
+          </p:cNvPr>
+          <p:cNvSpPr/>
+          <p:nvPr/>
+        </p:nvSpPr>
+        <p:spPr>
+          <a:xfrm>
+            <a:off x="4327299" y="2318197"/>
+            <a:ext cx="238258" cy="373484"/>
+          </a:xfrm>
+          <a:prstGeom prst="roundRect">
+            <a:avLst/>
+          </a:prstGeom>
+          <a:pattFill prst="wdUpDiag">
+            <a:fgClr>
+              <a:schemeClr val="accent1"/>
+            </a:fgClr>
+            <a:bgClr>
+              <a:schemeClr val="bg1"/>
+            </a:bgClr>
+          </a:pattFill>
+        </p:spPr>
+        <p:style>
+          <a:lnRef idx="2">
+            <a:schemeClr val="accent1">
+              <a:shade val="15000"/>
+            </a:schemeClr>
+          </a:lnRef>
+          <a:fillRef idx="1">
+            <a:schemeClr val="accent1"/>
+          </a:fillRef>
+          <a:effectRef idx="0">
+            <a:schemeClr val="accent1"/>
+          </a:effectRef>
+          <a:fontRef idx="minor">
+            <a:schemeClr val="lt1"/>
+          </a:fontRef>
+        </p:style>
+        <p:txBody>
+          <a:bodyPr rtlCol="0" anchor="ctr"/>
+          <a:lstStyle/>
+          <a:p>
+            <a:pPr algn="ctr"/>
+            <a:endParaRPr lang="zh-TW" altLang="en-US" dirty="0"/>
+          </a:p>
+        </p:txBody>
+      </p:sp>
+      <p:sp>
+        <p:nvSpPr>
+          <p:cNvPr id="16" name="矩形 15">
+            <a:extLst>
+              <a:ext uri="{FF2B5EF4-FFF2-40B4-BE49-F238E27FC236}">
+                <a16:creationId xmlns:a16="http://schemas.microsoft.com/office/drawing/2014/main" id="{5CC16510-0784-19E3-E5A9-8DF29E7568CE}"/>
+              </a:ext>
+            </a:extLst>
+          </p:cNvPr>
+          <p:cNvSpPr/>
+          <p:nvPr/>
+        </p:nvSpPr>
+        <p:spPr>
+          <a:xfrm>
+            <a:off x="4275784" y="2691681"/>
+            <a:ext cx="343281" cy="141194"/>
+          </a:xfrm>
+          <a:prstGeom prst="rect">
+            <a:avLst/>
+          </a:prstGeom>
+          <a:solidFill>
+            <a:schemeClr val="bg1">
+              <a:lumMod val="95000"/>
+            </a:schemeClr>
+          </a:solidFill>
+        </p:spPr>
+        <p:style>
+          <a:lnRef idx="2">
+            <a:schemeClr val="accent1">
+              <a:shade val="15000"/>
+            </a:schemeClr>
+          </a:lnRef>
+          <a:fillRef idx="1">
+            <a:schemeClr val="accent1"/>
+          </a:fillRef>
+          <a:effectRef idx="0">
+            <a:schemeClr val="accent1"/>
+          </a:effectRef>
+          <a:fontRef idx="minor">
+            <a:schemeClr val="lt1"/>
+          </a:fontRef>
+        </p:style>
+        <p:txBody>
+          <a:bodyPr rtlCol="0" anchor="ctr"/>
+          <a:lstStyle/>
+          <a:p>
+            <a:pPr algn="ctr"/>
+            <a:endParaRPr lang="zh-TW" altLang="en-US"/>
+          </a:p>
+        </p:txBody>
+      </p:sp>
+      <p:sp>
+        <p:nvSpPr>
+          <p:cNvPr id="17" name="箭號: 向下 16">
+            <a:extLst>
+              <a:ext uri="{FF2B5EF4-FFF2-40B4-BE49-F238E27FC236}">
+                <a16:creationId xmlns:a16="http://schemas.microsoft.com/office/drawing/2014/main" id="{AAA5936D-6637-F9B0-85F6-F0B13735B969}"/>
+              </a:ext>
+            </a:extLst>
+          </p:cNvPr>
+          <p:cNvSpPr/>
+          <p:nvPr/>
+        </p:nvSpPr>
+        <p:spPr>
+          <a:xfrm>
+            <a:off x="4292454" y="2832875"/>
+            <a:ext cx="307948" cy="141194"/>
+          </a:xfrm>
+          <a:prstGeom prst="downArrow">
+            <a:avLst>
+              <a:gd name="adj1" fmla="val 50000"/>
+              <a:gd name="adj2" fmla="val 121282"/>
+            </a:avLst>
+          </a:prstGeom>
+          <a:solidFill>
+            <a:schemeClr val="bg1">
+              <a:lumMod val="95000"/>
+            </a:schemeClr>
+          </a:solidFill>
+        </p:spPr>
+        <p:style>
+          <a:lnRef idx="2">
+            <a:schemeClr val="accent1">
+              <a:shade val="15000"/>
+            </a:schemeClr>
+          </a:lnRef>
+          <a:fillRef idx="1">
+            <a:schemeClr val="accent1"/>
+          </a:fillRef>
+          <a:effectRef idx="0">
+            <a:schemeClr val="accent1"/>
+          </a:effectRef>
+          <a:fontRef idx="minor">
+            <a:schemeClr val="lt1"/>
+          </a:fontRef>
+        </p:style>
+        <p:txBody>
+          <a:bodyPr rtlCol="0" anchor="ctr"/>
+          <a:lstStyle/>
+          <a:p>
+            <a:pPr algn="ctr"/>
+            <a:endParaRPr lang="zh-TW" altLang="en-US"/>
+          </a:p>
+        </p:txBody>
+      </p:sp>
+      <p:grpSp>
+        <p:nvGrpSpPr>
+          <p:cNvPr id="45" name="群組 44">
+            <a:extLst>
+              <a:ext uri="{FF2B5EF4-FFF2-40B4-BE49-F238E27FC236}">
+                <a16:creationId xmlns:a16="http://schemas.microsoft.com/office/drawing/2014/main" id="{BACD0503-5516-7C5F-0EF9-2908ACFD0FCB}"/>
+              </a:ext>
+            </a:extLst>
+          </p:cNvPr>
+          <p:cNvGrpSpPr/>
+          <p:nvPr/>
+        </p:nvGrpSpPr>
+        <p:grpSpPr>
+          <a:xfrm>
+            <a:off x="5234433" y="2354169"/>
+            <a:ext cx="272106" cy="634916"/>
+            <a:chOff x="5098380" y="2287606"/>
+            <a:chExt cx="272106" cy="634916"/>
+          </a:xfrm>
+        </p:grpSpPr>
+        <p:cxnSp>
+          <p:nvCxnSpPr>
+            <p:cNvPr id="24" name="直線接點 23">
+              <a:extLst>
+                <a:ext uri="{FF2B5EF4-FFF2-40B4-BE49-F238E27FC236}">
+                  <a16:creationId xmlns:a16="http://schemas.microsoft.com/office/drawing/2014/main" id="{CC6FCAD0-A394-E65D-A05F-52C675F579E1}"/>
+                </a:ext>
+              </a:extLst>
+            </p:cNvPr>
+            <p:cNvCxnSpPr>
+              <a:cxnSpLocks/>
+            </p:cNvCxnSpPr>
+            <p:nvPr/>
+          </p:nvCxnSpPr>
+          <p:spPr>
+            <a:xfrm>
+              <a:off x="5129292" y="2295525"/>
+              <a:ext cx="0" cy="410443"/>
+            </a:xfrm>
+            <a:prstGeom prst="line">
+              <a:avLst/>
+            </a:prstGeom>
+            <a:ln w="28575">
+              <a:solidFill>
+                <a:schemeClr val="bg1">
+                  <a:lumMod val="95000"/>
+                </a:schemeClr>
+              </a:solidFill>
+            </a:ln>
+          </p:spPr>
+          <p:style>
+            <a:lnRef idx="2">
+              <a:schemeClr val="accent1"/>
+            </a:lnRef>
+            <a:fillRef idx="0">
+              <a:schemeClr val="accent1"/>
+            </a:fillRef>
+            <a:effectRef idx="1">
+              <a:schemeClr val="accent1"/>
+            </a:effectRef>
+            <a:fontRef idx="minor">
+              <a:schemeClr val="tx1"/>
+            </a:fontRef>
+          </p:style>
+        </p:cxnSp>
+        <p:sp>
+          <p:nvSpPr>
+            <p:cNvPr id="26" name="弧形 25">
+              <a:extLst>
+                <a:ext uri="{FF2B5EF4-FFF2-40B4-BE49-F238E27FC236}">
+                  <a16:creationId xmlns:a16="http://schemas.microsoft.com/office/drawing/2014/main" id="{DC725D87-C5CE-C409-0950-A8204EF1327A}"/>
+                </a:ext>
+              </a:extLst>
+            </p:cNvPr>
+            <p:cNvSpPr/>
+            <p:nvPr/>
+          </p:nvSpPr>
+          <p:spPr>
+            <a:xfrm rot="2700000">
+              <a:off x="5098380" y="2650416"/>
+              <a:ext cx="272106" cy="272106"/>
+            </a:xfrm>
+            <a:prstGeom prst="arc">
+              <a:avLst>
+                <a:gd name="adj1" fmla="val 16200000"/>
+                <a:gd name="adj2" fmla="val 10591907"/>
+              </a:avLst>
+            </a:prstGeom>
+            <a:ln w="28575">
+              <a:solidFill>
+                <a:schemeClr val="bg1">
+                  <a:lumMod val="95000"/>
+                </a:schemeClr>
+              </a:solidFill>
+            </a:ln>
+          </p:spPr>
+          <p:style>
+            <a:lnRef idx="2">
+              <a:schemeClr val="accent1"/>
+            </a:lnRef>
+            <a:fillRef idx="0">
+              <a:schemeClr val="accent1"/>
+            </a:fillRef>
+            <a:effectRef idx="1">
+              <a:schemeClr val="accent1"/>
+            </a:effectRef>
+            <a:fontRef idx="minor">
+              <a:schemeClr val="tx1"/>
+            </a:fontRef>
+          </p:style>
+          <p:txBody>
+            <a:bodyPr rtlCol="0" anchor="ctr"/>
+            <a:lstStyle/>
+            <a:p>
+              <a:pPr algn="ctr"/>
+              <a:endParaRPr lang="zh-TW" altLang="en-US"/>
+            </a:p>
+          </p:txBody>
+        </p:sp>
+        <p:cxnSp>
+          <p:nvCxnSpPr>
+            <p:cNvPr id="28" name="直線接點 27">
+              <a:extLst>
+                <a:ext uri="{FF2B5EF4-FFF2-40B4-BE49-F238E27FC236}">
+                  <a16:creationId xmlns:a16="http://schemas.microsoft.com/office/drawing/2014/main" id="{A297E9D2-0287-0A5B-D00E-12B8EB15E98F}"/>
+                </a:ext>
+              </a:extLst>
+            </p:cNvPr>
+            <p:cNvCxnSpPr>
+              <a:cxnSpLocks/>
+            </p:cNvCxnSpPr>
+            <p:nvPr/>
+          </p:nvCxnSpPr>
+          <p:spPr>
+            <a:xfrm>
+              <a:off x="5115094" y="2296765"/>
+              <a:ext cx="234000" cy="0"/>
+            </a:xfrm>
+            <a:prstGeom prst="line">
+              <a:avLst/>
+            </a:prstGeom>
+            <a:ln w="28575">
+              <a:solidFill>
+                <a:schemeClr val="bg1">
+                  <a:lumMod val="95000"/>
+                </a:schemeClr>
+              </a:solidFill>
+            </a:ln>
+          </p:spPr>
+          <p:style>
+            <a:lnRef idx="2">
+              <a:schemeClr val="accent1"/>
+            </a:lnRef>
+            <a:fillRef idx="0">
+              <a:schemeClr val="accent1"/>
+            </a:fillRef>
+            <a:effectRef idx="1">
+              <a:schemeClr val="accent1"/>
+            </a:effectRef>
+            <a:fontRef idx="minor">
+              <a:schemeClr val="tx1"/>
+            </a:fontRef>
+          </p:style>
+        </p:cxnSp>
+        <p:sp>
+          <p:nvSpPr>
+            <p:cNvPr id="30" name="橢圓 29">
+              <a:extLst>
+                <a:ext uri="{FF2B5EF4-FFF2-40B4-BE49-F238E27FC236}">
+                  <a16:creationId xmlns:a16="http://schemas.microsoft.com/office/drawing/2014/main" id="{C3FC4FF3-D6EE-0C9F-D5E3-5A5F5CD420D1}"/>
+                </a:ext>
+              </a:extLst>
+            </p:cNvPr>
+            <p:cNvSpPr/>
+            <p:nvPr/>
+          </p:nvSpPr>
+          <p:spPr>
+            <a:xfrm>
+              <a:off x="5145700" y="2705968"/>
+              <a:ext cx="172788" cy="155795"/>
+            </a:xfrm>
+            <a:prstGeom prst="ellipse">
+              <a:avLst/>
+            </a:prstGeom>
+            <a:solidFill>
+              <a:schemeClr val="bg1">
+                <a:lumMod val="95000"/>
+              </a:schemeClr>
+            </a:solidFill>
+            <a:ln>
+              <a:noFill/>
+            </a:ln>
+          </p:spPr>
+          <p:style>
+            <a:lnRef idx="2">
+              <a:schemeClr val="accent1">
+                <a:shade val="15000"/>
+              </a:schemeClr>
+            </a:lnRef>
+            <a:fillRef idx="1">
+              <a:schemeClr val="accent1"/>
+            </a:fillRef>
+            <a:effectRef idx="0">
+              <a:schemeClr val="accent1"/>
+            </a:effectRef>
+            <a:fontRef idx="minor">
+              <a:schemeClr val="lt1"/>
+            </a:fontRef>
+          </p:style>
+          <p:txBody>
+            <a:bodyPr rtlCol="0" anchor="ctr"/>
+            <a:lstStyle/>
+            <a:p>
+              <a:pPr algn="ctr"/>
+              <a:endParaRPr lang="zh-TW" altLang="en-US"/>
+            </a:p>
+          </p:txBody>
+        </p:sp>
+        <p:sp>
+          <p:nvSpPr>
+            <p:cNvPr id="31" name="矩形: 圓角 30">
+              <a:extLst>
+                <a:ext uri="{FF2B5EF4-FFF2-40B4-BE49-F238E27FC236}">
+                  <a16:creationId xmlns:a16="http://schemas.microsoft.com/office/drawing/2014/main" id="{91AC7E65-BB98-B152-B854-389E0D860DDA}"/>
+                </a:ext>
+              </a:extLst>
+            </p:cNvPr>
+            <p:cNvSpPr/>
+            <p:nvPr/>
+          </p:nvSpPr>
+          <p:spPr>
+            <a:xfrm>
+              <a:off x="5180491" y="2442854"/>
+              <a:ext cx="107450" cy="302414"/>
+            </a:xfrm>
+            <a:prstGeom prst="roundRect">
+              <a:avLst/>
+            </a:prstGeom>
+            <a:solidFill>
+              <a:srgbClr val="F2F2F2"/>
+            </a:solidFill>
+            <a:ln>
+              <a:noFill/>
+            </a:ln>
+          </p:spPr>
+          <p:style>
+            <a:lnRef idx="2">
+              <a:schemeClr val="accent1">
+                <a:shade val="15000"/>
+              </a:schemeClr>
+            </a:lnRef>
+            <a:fillRef idx="1">
+              <a:schemeClr val="accent1"/>
+            </a:fillRef>
+            <a:effectRef idx="0">
+              <a:schemeClr val="accent1"/>
+            </a:effectRef>
+            <a:fontRef idx="minor">
+              <a:schemeClr val="lt1"/>
+            </a:fontRef>
+          </p:style>
+          <p:txBody>
+            <a:bodyPr rtlCol="0" anchor="ctr"/>
+            <a:lstStyle/>
+            <a:p>
+              <a:pPr algn="ctr"/>
+              <a:endParaRPr lang="zh-TW" altLang="en-US"/>
+            </a:p>
+          </p:txBody>
+        </p:sp>
+        <p:cxnSp>
+          <p:nvCxnSpPr>
+            <p:cNvPr id="43" name="直線接點 42">
+              <a:extLst>
+                <a:ext uri="{FF2B5EF4-FFF2-40B4-BE49-F238E27FC236}">
+                  <a16:creationId xmlns:a16="http://schemas.microsoft.com/office/drawing/2014/main" id="{2515DE22-FFB6-EEB8-BBCA-E5CC253ED2B1}"/>
+                </a:ext>
+              </a:extLst>
+            </p:cNvPr>
+            <p:cNvCxnSpPr>
+              <a:cxnSpLocks/>
+            </p:cNvCxnSpPr>
+            <p:nvPr/>
+          </p:nvCxnSpPr>
+          <p:spPr>
+            <a:xfrm>
+              <a:off x="5334248" y="2287606"/>
+              <a:ext cx="0" cy="410443"/>
+            </a:xfrm>
+            <a:prstGeom prst="line">
+              <a:avLst/>
+            </a:prstGeom>
+            <a:ln w="28575">
+              <a:solidFill>
+                <a:schemeClr val="bg1">
+                  <a:lumMod val="95000"/>
+                </a:schemeClr>
+              </a:solidFill>
+            </a:ln>
+          </p:spPr>
+          <p:style>
+            <a:lnRef idx="2">
+              <a:schemeClr val="accent1"/>
+            </a:lnRef>
+            <a:fillRef idx="0">
+              <a:schemeClr val="accent1"/>
+            </a:fillRef>
+            <a:effectRef idx="1">
+              <a:schemeClr val="accent1"/>
+            </a:effectRef>
+            <a:fontRef idx="minor">
+              <a:schemeClr val="tx1"/>
+            </a:fontRef>
+          </p:style>
+        </p:cxnSp>
+      </p:grpSp>
+      <p:grpSp>
+        <p:nvGrpSpPr>
+          <p:cNvPr id="70" name="群組 69">
+            <a:extLst>
+              <a:ext uri="{FF2B5EF4-FFF2-40B4-BE49-F238E27FC236}">
+                <a16:creationId xmlns:a16="http://schemas.microsoft.com/office/drawing/2014/main" id="{64E2D0B0-C669-C87C-EE17-FD56A3083E64}"/>
+              </a:ext>
+            </a:extLst>
+          </p:cNvPr>
+          <p:cNvGrpSpPr/>
+          <p:nvPr/>
+        </p:nvGrpSpPr>
+        <p:grpSpPr>
+          <a:xfrm>
+            <a:off x="5618153" y="2328576"/>
+            <a:ext cx="664907" cy="664096"/>
+            <a:chOff x="5553880" y="2235261"/>
+            <a:chExt cx="664907" cy="664096"/>
+          </a:xfrm>
+        </p:grpSpPr>
+        <p:cxnSp>
+          <p:nvCxnSpPr>
+            <p:cNvPr id="55" name="直線單箭頭接點 54">
+              <a:extLst>
+                <a:ext uri="{FF2B5EF4-FFF2-40B4-BE49-F238E27FC236}">
+                  <a16:creationId xmlns:a16="http://schemas.microsoft.com/office/drawing/2014/main" id="{0B2E5301-C05A-E456-D5C6-73EBA70CB9F5}"/>
+                </a:ext>
+              </a:extLst>
+            </p:cNvPr>
+            <p:cNvCxnSpPr>
+              <a:cxnSpLocks/>
+            </p:cNvCxnSpPr>
+            <p:nvPr/>
+          </p:nvCxnSpPr>
+          <p:spPr>
+            <a:xfrm>
+              <a:off x="5881688" y="2645704"/>
+              <a:ext cx="0" cy="253653"/>
+            </a:xfrm>
+            <a:prstGeom prst="straightConnector1">
+              <a:avLst/>
+            </a:prstGeom>
+            <a:ln w="38100" cap="rnd">
+              <a:solidFill>
+                <a:schemeClr val="bg1">
+                  <a:lumMod val="95000"/>
+                </a:schemeClr>
+              </a:solidFill>
+              <a:headEnd type="none"/>
+              <a:tailEnd type="stealth" w="lg" len="lg"/>
+            </a:ln>
+          </p:spPr>
+          <p:style>
+            <a:lnRef idx="2">
+              <a:schemeClr val="accent1"/>
+            </a:lnRef>
+            <a:fillRef idx="0">
+              <a:schemeClr val="accent1"/>
+            </a:fillRef>
+            <a:effectRef idx="1">
+              <a:schemeClr val="accent1"/>
+            </a:effectRef>
+            <a:fontRef idx="minor">
+              <a:schemeClr val="tx1"/>
+            </a:fontRef>
+          </p:style>
+        </p:cxnSp>
+        <p:cxnSp>
+          <p:nvCxnSpPr>
+            <p:cNvPr id="66" name="直線單箭頭接點 65">
+              <a:extLst>
+                <a:ext uri="{FF2B5EF4-FFF2-40B4-BE49-F238E27FC236}">
+                  <a16:creationId xmlns:a16="http://schemas.microsoft.com/office/drawing/2014/main" id="{341645C0-1648-9786-7B15-307FA0498015}"/>
+                </a:ext>
+              </a:extLst>
+            </p:cNvPr>
+            <p:cNvCxnSpPr>
+              <a:cxnSpLocks/>
+            </p:cNvCxnSpPr>
+            <p:nvPr/>
+          </p:nvCxnSpPr>
+          <p:spPr>
+            <a:xfrm rot="5400000">
+              <a:off x="5680707" y="2438399"/>
+              <a:ext cx="0" cy="253653"/>
+            </a:xfrm>
+            <a:prstGeom prst="straightConnector1">
+              <a:avLst/>
+            </a:prstGeom>
+            <a:ln w="38100" cap="rnd">
+              <a:solidFill>
+                <a:schemeClr val="bg1">
+                  <a:lumMod val="95000"/>
+                </a:schemeClr>
+              </a:solidFill>
+              <a:headEnd type="none"/>
+              <a:tailEnd type="stealth" w="lg" len="lg"/>
+            </a:ln>
+          </p:spPr>
+          <p:style>
+            <a:lnRef idx="2">
+              <a:schemeClr val="accent1"/>
+            </a:lnRef>
+            <a:fillRef idx="0">
+              <a:schemeClr val="accent1"/>
+            </a:fillRef>
+            <a:effectRef idx="1">
+              <a:schemeClr val="accent1"/>
+            </a:effectRef>
+            <a:fontRef idx="minor">
+              <a:schemeClr val="tx1"/>
+            </a:fontRef>
+          </p:style>
+        </p:cxnSp>
+        <p:cxnSp>
+          <p:nvCxnSpPr>
+            <p:cNvPr id="67" name="直線單箭頭接點 66">
+              <a:extLst>
+                <a:ext uri="{FF2B5EF4-FFF2-40B4-BE49-F238E27FC236}">
+                  <a16:creationId xmlns:a16="http://schemas.microsoft.com/office/drawing/2014/main" id="{B1DA7C77-1686-3255-451E-E29F4D4EBACA}"/>
+                </a:ext>
+              </a:extLst>
+            </p:cNvPr>
+            <p:cNvCxnSpPr>
+              <a:cxnSpLocks/>
+            </p:cNvCxnSpPr>
+            <p:nvPr/>
+          </p:nvCxnSpPr>
+          <p:spPr>
+            <a:xfrm rot="10800000">
+              <a:off x="5881688" y="2235261"/>
+              <a:ext cx="0" cy="253653"/>
+            </a:xfrm>
+            <a:prstGeom prst="straightConnector1">
+              <a:avLst/>
+            </a:prstGeom>
+            <a:ln w="38100" cap="rnd">
+              <a:solidFill>
+                <a:schemeClr val="bg1">
+                  <a:lumMod val="95000"/>
+                </a:schemeClr>
+              </a:solidFill>
+              <a:headEnd type="none"/>
+              <a:tailEnd type="stealth" w="lg" len="lg"/>
+            </a:ln>
+          </p:spPr>
+          <p:style>
+            <a:lnRef idx="2">
+              <a:schemeClr val="accent1"/>
+            </a:lnRef>
+            <a:fillRef idx="0">
+              <a:schemeClr val="accent1"/>
+            </a:fillRef>
+            <a:effectRef idx="1">
+              <a:schemeClr val="accent1"/>
+            </a:effectRef>
+            <a:fontRef idx="minor">
+              <a:schemeClr val="tx1"/>
+            </a:fontRef>
+          </p:style>
+        </p:cxnSp>
+        <p:cxnSp>
+          <p:nvCxnSpPr>
+            <p:cNvPr id="68" name="直線單箭頭接點 67">
+              <a:extLst>
+                <a:ext uri="{FF2B5EF4-FFF2-40B4-BE49-F238E27FC236}">
+                  <a16:creationId xmlns:a16="http://schemas.microsoft.com/office/drawing/2014/main" id="{94B180BA-BB1E-80B9-0B58-5B7E3ABFFC4E}"/>
+                </a:ext>
+              </a:extLst>
+            </p:cNvPr>
+            <p:cNvCxnSpPr>
+              <a:cxnSpLocks/>
+            </p:cNvCxnSpPr>
+            <p:nvPr/>
+          </p:nvCxnSpPr>
+          <p:spPr>
+            <a:xfrm rot="16200000">
+              <a:off x="6091961" y="2438399"/>
+              <a:ext cx="0" cy="253653"/>
+            </a:xfrm>
+            <a:prstGeom prst="straightConnector1">
+              <a:avLst/>
+            </a:prstGeom>
+            <a:ln w="38100" cap="rnd">
+              <a:solidFill>
+                <a:schemeClr val="bg1">
+                  <a:lumMod val="95000"/>
+                </a:schemeClr>
+              </a:solidFill>
+              <a:headEnd type="none"/>
+              <a:tailEnd type="stealth" w="lg" len="lg"/>
+            </a:ln>
+          </p:spPr>
+          <p:style>
+            <a:lnRef idx="2">
+              <a:schemeClr val="accent1"/>
+            </a:lnRef>
+            <a:fillRef idx="0">
+              <a:schemeClr val="accent1"/>
+            </a:fillRef>
+            <a:effectRef idx="1">
+              <a:schemeClr val="accent1"/>
+            </a:effectRef>
+            <a:fontRef idx="minor">
+              <a:schemeClr val="tx1"/>
+            </a:fontRef>
+          </p:style>
+        </p:cxnSp>
+        <p:sp>
+          <p:nvSpPr>
+            <p:cNvPr id="69" name="橢圓 68">
+              <a:extLst>
+                <a:ext uri="{FF2B5EF4-FFF2-40B4-BE49-F238E27FC236}">
+                  <a16:creationId xmlns:a16="http://schemas.microsoft.com/office/drawing/2014/main" id="{8914E73A-D668-7CFE-593D-B7F302495DE1}"/>
+                </a:ext>
+              </a:extLst>
+            </p:cNvPr>
+            <p:cNvSpPr/>
+            <p:nvPr/>
+          </p:nvSpPr>
+          <p:spPr>
+            <a:xfrm>
+              <a:off x="5845971" y="2523673"/>
+              <a:ext cx="71434" cy="71434"/>
+            </a:xfrm>
+            <a:prstGeom prst="ellipse">
+              <a:avLst/>
+            </a:prstGeom>
+            <a:solidFill>
+              <a:schemeClr val="bg1">
+                <a:lumMod val="95000"/>
+              </a:schemeClr>
+            </a:solidFill>
+            <a:ln>
+              <a:noFill/>
+            </a:ln>
+          </p:spPr>
+          <p:style>
+            <a:lnRef idx="2">
+              <a:schemeClr val="accent1">
+                <a:shade val="15000"/>
+              </a:schemeClr>
+            </a:lnRef>
+            <a:fillRef idx="1">
+              <a:schemeClr val="accent1"/>
+            </a:fillRef>
+            <a:effectRef idx="0">
+              <a:schemeClr val="accent1"/>
+            </a:effectRef>
+            <a:fontRef idx="minor">
+              <a:schemeClr val="lt1"/>
+            </a:fontRef>
+          </p:style>
+          <p:txBody>
+            <a:bodyPr rtlCol="0" anchor="ctr"/>
+            <a:lstStyle/>
+            <a:p>
+              <a:pPr algn="ctr"/>
+              <a:endParaRPr lang="zh-TW" altLang="en-US"/>
+            </a:p>
+          </p:txBody>
+        </p:sp>
+      </p:grpSp>
+    </p:spTree>
+    <p:extLst>
+      <p:ext uri="{BB962C8B-B14F-4D97-AF65-F5344CB8AC3E}">
+        <p14:creationId xmlns:p14="http://schemas.microsoft.com/office/powerpoint/2010/main" val="40558069"/>
+      </p:ext>
+    </p:extLst>
+  </p:cSld>
+  <p:clrMapOvr>
+    <a:masterClrMapping/>
+  </p:clrMapOvr>
+</p:sld>
+</file>
+
 <file path=ppt/theme/theme1.xml><?xml version="1.0" encoding="utf-8"?>
 <a:theme xmlns:a="http://schemas.openxmlformats.org/drawingml/2006/main" name="Office 佈景主題">
   <a:themeElements>
